--- a/Praesentation.pptx
+++ b/Praesentation.pptx
@@ -2405,7 +2405,7 @@
               <a:pPr>
                 <a:defRPr/>
               </a:pPr>
-              <a:t>11/06/2024</a:t>
+              <a:t>16/06/2024</a:t>
             </a:fld>
             <a:endParaRPr lang="en-GB" dirty="0"/>
           </a:p>
@@ -2624,7 +2624,7 @@
               <a:pPr>
                 <a:defRPr/>
               </a:pPr>
-              <a:t>11/06/2024</a:t>
+              <a:t>16/06/2024</a:t>
             </a:fld>
             <a:endParaRPr lang="en-GB"/>
           </a:p>
@@ -3112,7 +3112,7 @@
             </a:pPr>
             <a:r>
               <a:rPr lang="de-DE" dirty="0"/>
-              <a:t>Interpret and present information in a intuitive way for humans (visualisation).</a:t>
+              <a:t>Interpret and present information in a intuitive way for humans by (visualisation).</a:t>
             </a:r>
           </a:p>
           <a:p>
@@ -3208,6 +3208,117 @@
           <a:p>
             <a:r>
               <a:rPr lang="de-DE" dirty="0"/>
+              <a:t>Both reveal antenna locations</a:t>
+            </a:r>
+          </a:p>
+          <a:p>
+            <a:endParaRPr lang="de-DE" dirty="0"/>
+          </a:p>
+          <a:p>
+            <a:r>
+              <a:rPr lang="de-DE" dirty="0"/>
+              <a:t>Sources appear sharper</a:t>
+            </a:r>
+          </a:p>
+          <a:p>
+            <a:endParaRPr lang="de-DE" dirty="0"/>
+          </a:p>
+          <a:p>
+            <a:r>
+              <a:rPr lang="de-DE" dirty="0"/>
+              <a:t>No shadow coming from the receiver domain</a:t>
+            </a:r>
+          </a:p>
+        </p:txBody>
+      </p:sp>
+      <p:sp>
+        <p:nvSpPr>
+          <p:cNvPr id="4" name="Slide Number Placeholder 3"/>
+          <p:cNvSpPr>
+            <a:spLocks noGrp="1"/>
+          </p:cNvSpPr>
+          <p:nvPr>
+            <p:ph type="sldNum" sz="quarter" idx="5"/>
+          </p:nvPr>
+        </p:nvSpPr>
+        <p:spPr/>
+        <p:txBody>
+          <a:bodyPr/>
+          <a:lstStyle/>
+          <a:p>
+            <a:pPr>
+              <a:defRPr/>
+            </a:pPr>
+            <a:fld id="{00AFC6D0-44D5-4EB7-828F-6F464F83D79A}" type="slidenum">
+              <a:rPr lang="en-GB" smtClean="0"/>
+              <a:pPr>
+                <a:defRPr/>
+              </a:pPr>
+              <a:t>13</a:t>
+            </a:fld>
+            <a:endParaRPr lang="en-GB"/>
+          </a:p>
+        </p:txBody>
+      </p:sp>
+    </p:spTree>
+    <p:extLst>
+      <p:ext uri="{BB962C8B-B14F-4D97-AF65-F5344CB8AC3E}">
+        <p14:creationId xmlns:p14="http://schemas.microsoft.com/office/powerpoint/2010/main" val="3261415687"/>
+      </p:ext>
+    </p:extLst>
+  </p:cSld>
+  <p:clrMapOvr>
+    <a:masterClrMapping/>
+  </p:clrMapOvr>
+</p:notes>
+</file>
+
+<file path=ppt/notesSlides/notesSlide11.xml><?xml version="1.0" encoding="utf-8"?>
+<p:notes xmlns:a="http://schemas.openxmlformats.org/drawingml/2006/main" xmlns:r="http://schemas.openxmlformats.org/officeDocument/2006/relationships" xmlns:p="http://schemas.openxmlformats.org/presentationml/2006/main">
+  <p:cSld>
+    <p:spTree>
+      <p:nvGrpSpPr>
+        <p:cNvPr id="1" name=""/>
+        <p:cNvGrpSpPr/>
+        <p:nvPr/>
+      </p:nvGrpSpPr>
+      <p:grpSpPr>
+        <a:xfrm>
+          <a:off x="0" y="0"/>
+          <a:ext cx="0" cy="0"/>
+          <a:chOff x="0" y="0"/>
+          <a:chExt cx="0" cy="0"/>
+        </a:xfrm>
+      </p:grpSpPr>
+      <p:sp>
+        <p:nvSpPr>
+          <p:cNvPr id="2" name="Slide Image Placeholder 1"/>
+          <p:cNvSpPr>
+            <a:spLocks noGrp="1" noRot="1" noChangeAspect="1"/>
+          </p:cNvSpPr>
+          <p:nvPr>
+            <p:ph type="sldImg"/>
+          </p:nvPr>
+        </p:nvSpPr>
+        <p:spPr/>
+      </p:sp>
+      <p:sp>
+        <p:nvSpPr>
+          <p:cNvPr id="3" name="Notes Placeholder 2"/>
+          <p:cNvSpPr>
+            <a:spLocks noGrp="1"/>
+          </p:cNvSpPr>
+          <p:nvPr>
+            <p:ph type="body" idx="1"/>
+          </p:nvPr>
+        </p:nvSpPr>
+        <p:spPr/>
+        <p:txBody>
+          <a:bodyPr/>
+          <a:lstStyle/>
+          <a:p>
+            <a:r>
+              <a:rPr lang="de-DE" dirty="0"/>
               <a:t>Image from naive approach not interpretable</a:t>
             </a:r>
           </a:p>
@@ -3255,6 +3366,96 @@
     <p:extLst>
       <p:ext uri="{BB962C8B-B14F-4D97-AF65-F5344CB8AC3E}">
         <p14:creationId xmlns:p14="http://schemas.microsoft.com/office/powerpoint/2010/main" val="2294725375"/>
+      </p:ext>
+    </p:extLst>
+  </p:cSld>
+  <p:clrMapOvr>
+    <a:masterClrMapping/>
+  </p:clrMapOvr>
+</p:notes>
+</file>
+
+<file path=ppt/notesSlides/notesSlide12.xml><?xml version="1.0" encoding="utf-8"?>
+<p:notes xmlns:a="http://schemas.openxmlformats.org/drawingml/2006/main" xmlns:r="http://schemas.openxmlformats.org/officeDocument/2006/relationships" xmlns:p="http://schemas.openxmlformats.org/presentationml/2006/main">
+  <p:cSld>
+    <p:spTree>
+      <p:nvGrpSpPr>
+        <p:cNvPr id="1" name=""/>
+        <p:cNvGrpSpPr/>
+        <p:nvPr/>
+      </p:nvGrpSpPr>
+      <p:grpSpPr>
+        <a:xfrm>
+          <a:off x="0" y="0"/>
+          <a:ext cx="0" cy="0"/>
+          <a:chOff x="0" y="0"/>
+          <a:chExt cx="0" cy="0"/>
+        </a:xfrm>
+      </p:grpSpPr>
+      <p:sp>
+        <p:nvSpPr>
+          <p:cNvPr id="2" name="Slide Image Placeholder 1"/>
+          <p:cNvSpPr>
+            <a:spLocks noGrp="1" noRot="1" noChangeAspect="1"/>
+          </p:cNvSpPr>
+          <p:nvPr>
+            <p:ph type="sldImg"/>
+          </p:nvPr>
+        </p:nvSpPr>
+        <p:spPr/>
+      </p:sp>
+      <p:sp>
+        <p:nvSpPr>
+          <p:cNvPr id="3" name="Notes Placeholder 2"/>
+          <p:cNvSpPr>
+            <a:spLocks noGrp="1"/>
+          </p:cNvSpPr>
+          <p:nvPr>
+            <p:ph type="body" idx="1"/>
+          </p:nvPr>
+        </p:nvSpPr>
+        <p:spPr/>
+        <p:txBody>
+          <a:bodyPr/>
+          <a:lstStyle/>
+          <a:p>
+            <a:endParaRPr lang="de-DE" dirty="0"/>
+          </a:p>
+        </p:txBody>
+      </p:sp>
+      <p:sp>
+        <p:nvSpPr>
+          <p:cNvPr id="4" name="Slide Number Placeholder 3"/>
+          <p:cNvSpPr>
+            <a:spLocks noGrp="1"/>
+          </p:cNvSpPr>
+          <p:nvPr>
+            <p:ph type="sldNum" sz="quarter" idx="5"/>
+          </p:nvPr>
+        </p:nvSpPr>
+        <p:spPr/>
+        <p:txBody>
+          <a:bodyPr/>
+          <a:lstStyle/>
+          <a:p>
+            <a:pPr>
+              <a:defRPr/>
+            </a:pPr>
+            <a:fld id="{00AFC6D0-44D5-4EB7-828F-6F464F83D79A}" type="slidenum">
+              <a:rPr lang="en-GB" smtClean="0"/>
+              <a:pPr>
+                <a:defRPr/>
+              </a:pPr>
+              <a:t>15</a:t>
+            </a:fld>
+            <a:endParaRPr lang="en-GB"/>
+          </a:p>
+        </p:txBody>
+      </p:sp>
+    </p:spTree>
+    <p:extLst>
+      <p:ext uri="{BB962C8B-B14F-4D97-AF65-F5344CB8AC3E}">
+        <p14:creationId xmlns:p14="http://schemas.microsoft.com/office/powerpoint/2010/main" val="2969640571"/>
       </p:ext>
     </p:extLst>
   </p:cSld>
@@ -3310,66 +3511,7 @@
           <a:p>
             <a:r>
               <a:rPr lang="de-DE" dirty="0"/>
-              <a:t>Basic Idea: </a:t>
-            </a:r>
-            <a:br>
-              <a:rPr lang="de-DE" dirty="0"/>
-            </a:br>
-            <a:r>
-              <a:rPr lang="de-DE" dirty="0"/>
-              <a:t>Recreate the past from present measurements</a:t>
-            </a:r>
-            <a:br>
-              <a:rPr lang="de-DE" dirty="0"/>
-            </a:br>
-            <a:br>
-              <a:rPr lang="de-DE" dirty="0"/>
-            </a:br>
-            <a:r>
-              <a:rPr lang="de-DE" dirty="0"/>
-              <a:t>Expanding waves will contract at source and scatter locations</a:t>
-            </a:r>
-          </a:p>
-          <a:p>
-            <a:endParaRPr lang="de-DE" dirty="0"/>
-          </a:p>
-          <a:p>
-            <a:r>
-              <a:rPr lang="de-DE" dirty="0"/>
-              <a:t>Signal is measured at a set of points</a:t>
-            </a:r>
-          </a:p>
-          <a:p>
-            <a:r>
-              <a:rPr lang="de-DE" dirty="0"/>
-              <a:t>Compute the field that is created when the time-reversed signal is re-emitted at the measurement locations</a:t>
-            </a:r>
-          </a:p>
-          <a:p>
-            <a:endParaRPr lang="de-DE" dirty="0"/>
-          </a:p>
-          <a:p>
-            <a:r>
-              <a:rPr lang="de-DE" dirty="0"/>
-              <a:t>Similarities to Huygens  (Closed Surface) and Matched Filtering (Time-Reversal =&gt; Complex Conjugation)</a:t>
-            </a:r>
-          </a:p>
-          <a:p>
-            <a:endParaRPr lang="de-DE" dirty="0"/>
-          </a:p>
-          <a:p>
-            <a:r>
-              <a:rPr lang="de-DE" dirty="0"/>
-              <a:t>Arbitrary amount of information can be taken into account to improve image</a:t>
-            </a:r>
-          </a:p>
-          <a:p>
-            <a:endParaRPr lang="de-DE" dirty="0"/>
-          </a:p>
-          <a:p>
-            <a:r>
-              <a:rPr lang="de-DE" dirty="0"/>
-              <a:t> </a:t>
+              <a:t>Find scatter points</a:t>
             </a:r>
           </a:p>
         </p:txBody>
@@ -3397,7 +3539,7 @@
               <a:pPr>
                 <a:defRPr/>
               </a:pPr>
-              <a:t>6</a:t>
+              <a:t>5</a:t>
             </a:fld>
             <a:endParaRPr lang="en-GB"/>
           </a:p>
@@ -3406,7 +3548,7 @@
     </p:spTree>
     <p:extLst>
       <p:ext uri="{BB962C8B-B14F-4D97-AF65-F5344CB8AC3E}">
-        <p14:creationId xmlns:p14="http://schemas.microsoft.com/office/powerpoint/2010/main" val="3977150634"/>
+        <p14:creationId xmlns:p14="http://schemas.microsoft.com/office/powerpoint/2010/main" val="3879831888"/>
       </p:ext>
     </p:extLst>
   </p:cSld>
@@ -3462,7 +3604,57 @@
           <a:p>
             <a:r>
               <a:rPr lang="de-DE" dirty="0"/>
-              <a:t>Especially in complex environments with multipath propagation of the signals</a:t>
+              <a:t>Basic Idea: </a:t>
+            </a:r>
+            <a:br>
+              <a:rPr lang="de-DE" dirty="0"/>
+            </a:br>
+            <a:r>
+              <a:rPr lang="de-DE" dirty="0"/>
+              <a:t>Recreate the past from present measurements</a:t>
+            </a:r>
+            <a:br>
+              <a:rPr lang="de-DE" dirty="0"/>
+            </a:br>
+            <a:br>
+              <a:rPr lang="de-DE" dirty="0"/>
+            </a:br>
+            <a:r>
+              <a:rPr lang="de-DE" dirty="0"/>
+              <a:t>Expanding waves will contract at source and scatter locations</a:t>
+            </a:r>
+          </a:p>
+          <a:p>
+            <a:endParaRPr lang="de-DE" dirty="0"/>
+          </a:p>
+          <a:p>
+            <a:r>
+              <a:rPr lang="de-DE" dirty="0"/>
+              <a:t>Signal is measured at a set of points create a closed surface</a:t>
+            </a:r>
+          </a:p>
+          <a:p>
+            <a:r>
+              <a:rPr lang="de-DE" dirty="0"/>
+              <a:t>Compute the field that is created when the time-reversed signal is re-emitted at the measurement locations</a:t>
+            </a:r>
+          </a:p>
+          <a:p>
+            <a:endParaRPr lang="de-DE" dirty="0"/>
+          </a:p>
+          <a:p>
+            <a:r>
+              <a:rPr lang="de-DE" dirty="0"/>
+              <a:t>Arbitrary amount of information can be taken into account to improve image</a:t>
+            </a:r>
+          </a:p>
+          <a:p>
+            <a:endParaRPr lang="de-DE" dirty="0"/>
+          </a:p>
+          <a:p>
+            <a:r>
+              <a:rPr lang="de-DE" dirty="0"/>
+              <a:t> </a:t>
             </a:r>
           </a:p>
         </p:txBody>
@@ -3490,7 +3682,7 @@
               <a:pPr>
                 <a:defRPr/>
               </a:pPr>
-              <a:t>7</a:t>
+              <a:t>6</a:t>
             </a:fld>
             <a:endParaRPr lang="en-GB"/>
           </a:p>
@@ -3499,7 +3691,7 @@
     </p:spTree>
     <p:extLst>
       <p:ext uri="{BB962C8B-B14F-4D97-AF65-F5344CB8AC3E}">
-        <p14:creationId xmlns:p14="http://schemas.microsoft.com/office/powerpoint/2010/main" val="4223999770"/>
+        <p14:creationId xmlns:p14="http://schemas.microsoft.com/office/powerpoint/2010/main" val="3977150634"/>
       </p:ext>
     </p:extLst>
   </p:cSld>
@@ -3555,32 +3747,8 @@
           <a:p>
             <a:r>
               <a:rPr lang="de-DE" dirty="0"/>
-              <a:t>Small wavelengths compared to dimensions of surroundings</a:t>
-            </a:r>
-          </a:p>
-          <a:p>
-            <a:endParaRPr lang="de-DE" dirty="0"/>
-          </a:p>
-          <a:p>
-            <a:r>
-              <a:rPr lang="de-DE" dirty="0"/>
-              <a:t>Observing the electric field component of a electromagnetic wave along a straight line in a homogenous medium is approximated by</a:t>
-            </a:r>
-          </a:p>
-          <a:p>
-            <a:r>
-              <a:rPr lang="de-DE" dirty="0"/>
-              <a:t>			</a:t>
-            </a:r>
-          </a:p>
-          <a:p>
-            <a:r>
-              <a:rPr lang="de-DE" dirty="0"/>
-              <a:t>Enables utilization of Ray Tracing Capabilities of GPUs to Compute multiple Raypaths </a:t>
-            </a:r>
-          </a:p>
-          <a:p>
-            <a:endParaRPr lang="de-DE" dirty="0"/>
+              <a:t>Especially in complex environments with multipath propagation of the signals</a:t>
+            </a:r>
           </a:p>
         </p:txBody>
       </p:sp>
@@ -3607,7 +3775,7 @@
               <a:pPr>
                 <a:defRPr/>
               </a:pPr>
-              <a:t>8</a:t>
+              <a:t>7</a:t>
             </a:fld>
             <a:endParaRPr lang="en-GB"/>
           </a:p>
@@ -3616,7 +3784,7 @@
     </p:spTree>
     <p:extLst>
       <p:ext uri="{BB962C8B-B14F-4D97-AF65-F5344CB8AC3E}">
-        <p14:creationId xmlns:p14="http://schemas.microsoft.com/office/powerpoint/2010/main" val="4250150844"/>
+        <p14:creationId xmlns:p14="http://schemas.microsoft.com/office/powerpoint/2010/main" val="4223999770"/>
       </p:ext>
     </p:extLst>
   </p:cSld>
@@ -3672,7 +3840,7 @@
           <a:p>
             <a:r>
               <a:rPr lang="de-DE" dirty="0"/>
-              <a:t>Utilize Multipath effects</a:t>
+              <a:t>Small wavelengths compared to dimensions of surroundings</a:t>
             </a:r>
           </a:p>
           <a:p>
@@ -3681,17 +3849,23 @@
           <a:p>
             <a:r>
               <a:rPr lang="de-DE" dirty="0"/>
-              <a:t>Compute the Time-Reversed Field at every Imaging Point by Adding up Contributions from different paths</a:t>
+              <a:t>Observing the electric field component of a electromagnetic wave along a in a ray path is approximated by</a:t>
+            </a:r>
+          </a:p>
+          <a:p>
+            <a:r>
+              <a:rPr lang="de-DE" dirty="0"/>
+              <a:t>			</a:t>
+            </a:r>
+          </a:p>
+          <a:p>
+            <a:r>
+              <a:rPr lang="de-DE" dirty="0"/>
+              <a:t>Enables utilization of Ray Tracing Capabilities of GPUs to Compute multiple Raypaths </a:t>
             </a:r>
           </a:p>
           <a:p>
             <a:endParaRPr lang="de-DE" dirty="0"/>
-          </a:p>
-          <a:p>
-            <a:r>
-              <a:rPr lang="de-DE" dirty="0"/>
-              <a:t>This is done for all receivers</a:t>
-            </a:r>
           </a:p>
         </p:txBody>
       </p:sp>
@@ -3718,7 +3892,7 @@
               <a:pPr>
                 <a:defRPr/>
               </a:pPr>
-              <a:t>9</a:t>
+              <a:t>8</a:t>
             </a:fld>
             <a:endParaRPr lang="en-GB"/>
           </a:p>
@@ -3727,7 +3901,7 @@
     </p:spTree>
     <p:extLst>
       <p:ext uri="{BB962C8B-B14F-4D97-AF65-F5344CB8AC3E}">
-        <p14:creationId xmlns:p14="http://schemas.microsoft.com/office/powerpoint/2010/main" val="1595208870"/>
+        <p14:creationId xmlns:p14="http://schemas.microsoft.com/office/powerpoint/2010/main" val="4250150844"/>
       </p:ext>
     </p:extLst>
   </p:cSld>
@@ -3783,6 +3957,15 @@
           <a:p>
             <a:r>
               <a:rPr lang="de-DE" dirty="0"/>
+              <a:t>Utilize Multipath effects</a:t>
+            </a:r>
+          </a:p>
+          <a:p>
+            <a:endParaRPr lang="de-DE" dirty="0"/>
+          </a:p>
+          <a:p>
+            <a:r>
+              <a:rPr lang="de-DE" dirty="0"/>
               <a:t>Compute the Time-Reversed Field at every Imaging Point by Adding up Contributions from different paths</a:t>
             </a:r>
           </a:p>
@@ -3820,7 +4003,7 @@
               <a:pPr>
                 <a:defRPr/>
               </a:pPr>
-              <a:t>10</a:t>
+              <a:t>9</a:t>
             </a:fld>
             <a:endParaRPr lang="en-GB"/>
           </a:p>
@@ -3829,7 +4012,7 @@
     </p:spTree>
     <p:extLst>
       <p:ext uri="{BB962C8B-B14F-4D97-AF65-F5344CB8AC3E}">
-        <p14:creationId xmlns:p14="http://schemas.microsoft.com/office/powerpoint/2010/main" val="3579221740"/>
+        <p14:creationId xmlns:p14="http://schemas.microsoft.com/office/powerpoint/2010/main" val="1595208870"/>
       </p:ext>
     </p:extLst>
   </p:cSld>
@@ -3922,7 +4105,7 @@
               <a:pPr>
                 <a:defRPr/>
               </a:pPr>
-              <a:t>11</a:t>
+              <a:t>10</a:t>
             </a:fld>
             <a:endParaRPr lang="en-GB"/>
           </a:p>
@@ -3931,7 +4114,7 @@
     </p:spTree>
     <p:extLst>
       <p:ext uri="{BB962C8B-B14F-4D97-AF65-F5344CB8AC3E}">
-        <p14:creationId xmlns:p14="http://schemas.microsoft.com/office/powerpoint/2010/main" val="2379764444"/>
+        <p14:creationId xmlns:p14="http://schemas.microsoft.com/office/powerpoint/2010/main" val="3579221740"/>
       </p:ext>
     </p:extLst>
   </p:cSld>
@@ -3987,34 +4170,16 @@
           <a:p>
             <a:r>
               <a:rPr lang="de-DE" dirty="0"/>
-              <a:t>Box made of perfectly electric conducting plates in pink</a:t>
-            </a:r>
+              <a:t>Compute the Time-Reversed Field at every Imaging Point by Adding up Contributions from different paths</a:t>
+            </a:r>
+          </a:p>
+          <a:p>
+            <a:endParaRPr lang="de-DE" dirty="0"/>
           </a:p>
           <a:p>
             <a:r>
               <a:rPr lang="de-DE" dirty="0"/>
-              <a:t>Antennas in blue emit harmonic waves at 20 different frequencies from 4.8 to 7.2 GHz</a:t>
-            </a:r>
-          </a:p>
-          <a:p>
-            <a:r>
-              <a:rPr lang="de-DE" dirty="0"/>
-              <a:t>Green Receivers measure the signal.</a:t>
-            </a:r>
-          </a:p>
-          <a:p>
-            <a:r>
-              <a:rPr lang="de-DE" dirty="0"/>
-              <a:t>Algorithm reconstructs the imaging domain in purple which should reveal the initial antenna locations</a:t>
-            </a:r>
-          </a:p>
-          <a:p>
-            <a:endParaRPr lang="de-DE" dirty="0"/>
-          </a:p>
-          <a:p>
-            <a:r>
-              <a:rPr lang="de-DE" dirty="0"/>
-              <a:t>Compare results of my algorithm to naive algorithm</a:t>
+              <a:t>This is done for all receivers</a:t>
             </a:r>
           </a:p>
         </p:txBody>
@@ -4042,7 +4207,7 @@
               <a:pPr>
                 <a:defRPr/>
               </a:pPr>
-              <a:t>12</a:t>
+              <a:t>11</a:t>
             </a:fld>
             <a:endParaRPr lang="en-GB"/>
           </a:p>
@@ -4051,7 +4216,7 @@
     </p:spTree>
     <p:extLst>
       <p:ext uri="{BB962C8B-B14F-4D97-AF65-F5344CB8AC3E}">
-        <p14:creationId xmlns:p14="http://schemas.microsoft.com/office/powerpoint/2010/main" val="1342215170"/>
+        <p14:creationId xmlns:p14="http://schemas.microsoft.com/office/powerpoint/2010/main" val="2379764444"/>
       </p:ext>
     </p:extLst>
   </p:cSld>
@@ -4107,7 +4272,25 @@
           <a:p>
             <a:r>
               <a:rPr lang="de-DE" dirty="0"/>
-              <a:t>Sources appear sharper</a:t>
+              <a:t>Box made of perfectly electric conducting plates in pink</a:t>
+            </a:r>
+          </a:p>
+          <a:p>
+            <a:r>
+              <a:rPr lang="de-DE" dirty="0"/>
+              <a:t>Antennas in blue emit harmonic waves at 20 different frequencies from 4.8 to 7.2 GHz</a:t>
+            </a:r>
+          </a:p>
+          <a:p>
+            <a:r>
+              <a:rPr lang="de-DE" dirty="0"/>
+              <a:t>Green Receivers measure the signal.</a:t>
+            </a:r>
+          </a:p>
+          <a:p>
+            <a:r>
+              <a:rPr lang="de-DE" dirty="0"/>
+              <a:t>Algorithm reconstructs the imaging domain in purple which should reveal the initial antenna locations</a:t>
             </a:r>
           </a:p>
           <a:p>
@@ -4116,7 +4299,7 @@
           <a:p>
             <a:r>
               <a:rPr lang="de-DE" dirty="0"/>
-              <a:t>No shadow coming from the receiver domain</a:t>
+              <a:t>Compare results of my algorithm to naive algorithm which doesnt consider any knowledge about surroundings</a:t>
             </a:r>
           </a:p>
         </p:txBody>
@@ -4144,7 +4327,7 @@
               <a:pPr>
                 <a:defRPr/>
               </a:pPr>
-              <a:t>13</a:t>
+              <a:t>12</a:t>
             </a:fld>
             <a:endParaRPr lang="en-GB"/>
           </a:p>
@@ -4153,7 +4336,7 @@
     </p:spTree>
     <p:extLst>
       <p:ext uri="{BB962C8B-B14F-4D97-AF65-F5344CB8AC3E}">
-        <p14:creationId xmlns:p14="http://schemas.microsoft.com/office/powerpoint/2010/main" val="3261415687"/>
+        <p14:creationId xmlns:p14="http://schemas.microsoft.com/office/powerpoint/2010/main" val="1342215170"/>
       </p:ext>
     </p:extLst>
   </p:cSld>
@@ -17234,24 +17417,78 @@
           <a:bodyPr/>
           <a:lstStyle/>
           <a:p>
+            <a:pPr>
+              <a:lnSpc>
+                <a:spcPct val="100000"/>
+              </a:lnSpc>
+            </a:pPr>
             <a:r>
               <a:rPr lang="de-DE" dirty="0"/>
-              <a:t>Considering Multi-Path Effects Improves Microwave Imaging</a:t>
-            </a:r>
-          </a:p>
-          <a:p>
+              <a:t>Learnings:</a:t>
+            </a:r>
+          </a:p>
+          <a:p>
+            <a:pPr>
+              <a:lnSpc>
+                <a:spcPct val="100000"/>
+              </a:lnSpc>
+            </a:pPr>
             <a:endParaRPr lang="de-DE" dirty="0"/>
           </a:p>
           <a:p>
+            <a:pPr marL="285750" indent="-285750">
+              <a:lnSpc>
+                <a:spcPct val="100000"/>
+              </a:lnSpc>
+              <a:buFont typeface="Arial" panose="020B0604020202020204" pitchFamily="34" charset="0"/>
+              <a:buChar char="•"/>
+            </a:pPr>
+            <a:r>
+              <a:rPr lang="de-DE" dirty="0"/>
+              <a:t>Considering Multi-Path Effects from Surroundings Improves Microwave Imaging</a:t>
+            </a:r>
+          </a:p>
+          <a:p>
+            <a:pPr marL="285750" indent="-285750">
+              <a:lnSpc>
+                <a:spcPct val="100000"/>
+              </a:lnSpc>
+              <a:buFont typeface="Arial" panose="020B0604020202020204" pitchFamily="34" charset="0"/>
+              <a:buChar char="•"/>
+            </a:pPr>
+            <a:endParaRPr lang="de-DE" dirty="0"/>
+          </a:p>
+          <a:p>
+            <a:pPr marL="285750" indent="-285750">
+              <a:lnSpc>
+                <a:spcPct val="100000"/>
+              </a:lnSpc>
+              <a:buFont typeface="Arial" panose="020B0604020202020204" pitchFamily="34" charset="0"/>
+              <a:buChar char="•"/>
+            </a:pPr>
             <a:r>
               <a:rPr lang="de-DE" dirty="0"/>
               <a:t>Ray-Tracing is a Valid Approach to Simulate Electromagnetic Waves in Certain Scenarios</a:t>
             </a:r>
           </a:p>
           <a:p>
+            <a:pPr marL="285750" indent="-285750">
+              <a:lnSpc>
+                <a:spcPct val="100000"/>
+              </a:lnSpc>
+              <a:buFont typeface="Arial" panose="020B0604020202020204" pitchFamily="34" charset="0"/>
+              <a:buChar char="•"/>
+            </a:pPr>
             <a:endParaRPr lang="de-DE" dirty="0"/>
           </a:p>
           <a:p>
+            <a:pPr marL="285750" indent="-285750">
+              <a:lnSpc>
+                <a:spcPct val="100000"/>
+              </a:lnSpc>
+              <a:buFont typeface="Arial" panose="020B0604020202020204" pitchFamily="34" charset="0"/>
+              <a:buChar char="•"/>
+            </a:pPr>
             <a:r>
               <a:rPr lang="de-DE" dirty="0"/>
               <a:t>GPU‘s can be Used to Speed Up Electromagnetic Simulation Programs</a:t>
@@ -17264,32 +17501,82 @@
             <a:endParaRPr lang="de-DE" dirty="0"/>
           </a:p>
           <a:p>
+            <a:pPr>
+              <a:lnSpc>
+                <a:spcPct val="100000"/>
+              </a:lnSpc>
+            </a:pPr>
+            <a:r>
+              <a:rPr lang="de-DE" dirty="0"/>
+              <a:t>Outlook:</a:t>
+            </a:r>
+          </a:p>
+          <a:p>
+            <a:pPr>
+              <a:lnSpc>
+                <a:spcPct val="100000"/>
+              </a:lnSpc>
+            </a:pPr>
             <a:endParaRPr lang="de-DE" dirty="0"/>
           </a:p>
           <a:p>
+            <a:pPr marL="285750" indent="-285750">
+              <a:lnSpc>
+                <a:spcPct val="100000"/>
+              </a:lnSpc>
+              <a:buFont typeface="Arial" panose="020B0604020202020204" pitchFamily="34" charset="0"/>
+              <a:buChar char="•"/>
+            </a:pPr>
             <a:r>
               <a:rPr lang="de-DE" dirty="0"/>
               <a:t>Extend Algorithm for Passive Scatter-Points</a:t>
             </a:r>
           </a:p>
           <a:p>
+            <a:pPr marL="285750" indent="-285750">
+              <a:lnSpc>
+                <a:spcPct val="100000"/>
+              </a:lnSpc>
+              <a:buFont typeface="Arial" panose="020B0604020202020204" pitchFamily="34" charset="0"/>
+              <a:buChar char="•"/>
+            </a:pPr>
             <a:endParaRPr lang="de-DE" dirty="0"/>
           </a:p>
           <a:p>
+            <a:pPr marL="285750" indent="-285750">
+              <a:lnSpc>
+                <a:spcPct val="100000"/>
+              </a:lnSpc>
+              <a:buFont typeface="Arial" panose="020B0604020202020204" pitchFamily="34" charset="0"/>
+              <a:buChar char="•"/>
+            </a:pPr>
             <a:r>
               <a:rPr lang="de-DE" dirty="0"/>
               <a:t>Consider Vector-Quantities for Electromagnetic Field</a:t>
             </a:r>
           </a:p>
           <a:p>
+            <a:pPr marL="285750" indent="-285750">
+              <a:lnSpc>
+                <a:spcPct val="100000"/>
+              </a:lnSpc>
+              <a:buFont typeface="Arial" panose="020B0604020202020204" pitchFamily="34" charset="0"/>
+              <a:buChar char="•"/>
+            </a:pPr>
             <a:endParaRPr lang="de-DE" dirty="0"/>
           </a:p>
           <a:p>
-            <a:r>
-              <a:rPr lang="de-DE"/>
+            <a:pPr marL="285750" indent="-285750">
+              <a:lnSpc>
+                <a:spcPct val="100000"/>
+              </a:lnSpc>
+              <a:buFont typeface="Arial" panose="020B0604020202020204" pitchFamily="34" charset="0"/>
+              <a:buChar char="•"/>
+            </a:pPr>
+            <a:r>
+              <a:rPr lang="de-DE" dirty="0"/>
               <a:t>Test in Real-World Scenarios</a:t>
             </a:r>
-            <a:endParaRPr lang="de-DE" dirty="0"/>
           </a:p>
           <a:p>
             <a:endParaRPr lang="de-DE" dirty="0"/>
@@ -17384,33 +17671,15 @@
                                   </p:childTnLst>
                                 </p:cTn>
                               </p:par>
-                            </p:childTnLst>
-                          </p:cTn>
-                        </p:par>
-                      </p:childTnLst>
-                    </p:cTn>
-                  </p:par>
-                  <p:par>
-                    <p:cTn id="7" fill="hold">
-                      <p:stCondLst>
-                        <p:cond delay="indefinite"/>
-                      </p:stCondLst>
-                      <p:childTnLst>
-                        <p:par>
-                          <p:cTn id="8" fill="hold">
-                            <p:stCondLst>
-                              <p:cond delay="0"/>
-                            </p:stCondLst>
-                            <p:childTnLst>
                               <p:par>
-                                <p:cTn id="9" presetID="1" presetClass="entr" presetSubtype="0" fill="hold" grpId="0" nodeType="clickEffect">
+                                <p:cTn id="7" presetID="1" presetClass="entr" presetSubtype="0" fill="hold" grpId="0" nodeType="withEffect">
                                   <p:stCondLst>
                                     <p:cond delay="0"/>
                                   </p:stCondLst>
                                   <p:childTnLst>
                                     <p:set>
                                       <p:cBhvr>
-                                        <p:cTn id="10" dur="1" fill="hold">
+                                        <p:cTn id="8" dur="1" fill="hold">
                                           <p:stCondLst>
                                             <p:cond delay="0"/>
                                           </p:stCondLst>
@@ -17433,33 +17702,15 @@
                                   </p:childTnLst>
                                 </p:cTn>
                               </p:par>
-                            </p:childTnLst>
-                          </p:cTn>
-                        </p:par>
-                      </p:childTnLst>
-                    </p:cTn>
-                  </p:par>
-                  <p:par>
-                    <p:cTn id="11" fill="hold">
-                      <p:stCondLst>
-                        <p:cond delay="indefinite"/>
-                      </p:stCondLst>
-                      <p:childTnLst>
-                        <p:par>
-                          <p:cTn id="12" fill="hold">
-                            <p:stCondLst>
-                              <p:cond delay="0"/>
-                            </p:stCondLst>
-                            <p:childTnLst>
                               <p:par>
-                                <p:cTn id="13" presetID="1" presetClass="entr" presetSubtype="0" fill="hold" grpId="0" nodeType="clickEffect">
+                                <p:cTn id="9" presetID="1" presetClass="entr" presetSubtype="0" fill="hold" grpId="0" nodeType="withEffect">
                                   <p:stCondLst>
                                     <p:cond delay="0"/>
                                   </p:stCondLst>
                                   <p:childTnLst>
                                     <p:set>
                                       <p:cBhvr>
-                                        <p:cTn id="14" dur="1" fill="hold">
+                                        <p:cTn id="10" dur="1" fill="hold">
                                           <p:stCondLst>
                                             <p:cond delay="0"/>
                                           </p:stCondLst>
@@ -17482,33 +17733,15 @@
                                   </p:childTnLst>
                                 </p:cTn>
                               </p:par>
-                            </p:childTnLst>
-                          </p:cTn>
-                        </p:par>
-                      </p:childTnLst>
-                    </p:cTn>
-                  </p:par>
-                  <p:par>
-                    <p:cTn id="15" fill="hold">
-                      <p:stCondLst>
-                        <p:cond delay="indefinite"/>
-                      </p:stCondLst>
-                      <p:childTnLst>
-                        <p:par>
-                          <p:cTn id="16" fill="hold">
-                            <p:stCondLst>
-                              <p:cond delay="0"/>
-                            </p:stCondLst>
-                            <p:childTnLst>
                               <p:par>
-                                <p:cTn id="17" presetID="1" presetClass="entr" presetSubtype="0" fill="hold" grpId="0" nodeType="clickEffect">
+                                <p:cTn id="11" presetID="1" presetClass="entr" presetSubtype="0" fill="hold" grpId="0" nodeType="withEffect">
                                   <p:stCondLst>
                                     <p:cond delay="0"/>
                                   </p:stCondLst>
                                   <p:childTnLst>
                                     <p:set>
                                       <p:cBhvr>
-                                        <p:cTn id="18" dur="1" fill="hold">
+                                        <p:cTn id="12" dur="1" fill="hold">
                                           <p:stCondLst>
                                             <p:cond delay="0"/>
                                           </p:stCondLst>
@@ -17516,7 +17749,7 @@
                                         <p:tgtEl>
                                           <p:spTgt spid="7">
                                             <p:txEl>
-                                              <p:pRg st="8" end="8"/>
+                                              <p:pRg st="6" end="6"/>
                                             </p:txEl>
                                           </p:spTgt>
                                         </p:tgtEl>
@@ -17538,19 +17771,112 @@
                     </p:cTn>
                   </p:par>
                   <p:par>
-                    <p:cTn id="19" fill="hold">
+                    <p:cTn id="13" fill="hold">
                       <p:stCondLst>
                         <p:cond delay="indefinite"/>
                       </p:stCondLst>
                       <p:childTnLst>
                         <p:par>
-                          <p:cTn id="20" fill="hold">
+                          <p:cTn id="14" fill="hold">
                             <p:stCondLst>
                               <p:cond delay="0"/>
                             </p:stCondLst>
                             <p:childTnLst>
                               <p:par>
-                                <p:cTn id="21" presetID="1" presetClass="entr" presetSubtype="0" fill="hold" grpId="0" nodeType="clickEffect">
+                                <p:cTn id="15" presetID="1" presetClass="entr" presetSubtype="0" fill="hold" grpId="0" nodeType="clickEffect">
+                                  <p:stCondLst>
+                                    <p:cond delay="0"/>
+                                  </p:stCondLst>
+                                  <p:childTnLst>
+                                    <p:set>
+                                      <p:cBhvr>
+                                        <p:cTn id="16" dur="1" fill="hold">
+                                          <p:stCondLst>
+                                            <p:cond delay="0"/>
+                                          </p:stCondLst>
+                                        </p:cTn>
+                                        <p:tgtEl>
+                                          <p:spTgt spid="7">
+                                            <p:txEl>
+                                              <p:pRg st="9" end="9"/>
+                                            </p:txEl>
+                                          </p:spTgt>
+                                        </p:tgtEl>
+                                        <p:attrNameLst>
+                                          <p:attrName>style.visibility</p:attrName>
+                                        </p:attrNameLst>
+                                      </p:cBhvr>
+                                      <p:to>
+                                        <p:strVal val="visible"/>
+                                      </p:to>
+                                    </p:set>
+                                  </p:childTnLst>
+                                </p:cTn>
+                              </p:par>
+                              <p:par>
+                                <p:cTn id="17" presetID="1" presetClass="entr" presetSubtype="0" fill="hold" grpId="0" nodeType="withEffect">
+                                  <p:stCondLst>
+                                    <p:cond delay="0"/>
+                                  </p:stCondLst>
+                                  <p:childTnLst>
+                                    <p:set>
+                                      <p:cBhvr>
+                                        <p:cTn id="18" dur="1" fill="hold">
+                                          <p:stCondLst>
+                                            <p:cond delay="0"/>
+                                          </p:stCondLst>
+                                        </p:cTn>
+                                        <p:tgtEl>
+                                          <p:spTgt spid="7">
+                                            <p:txEl>
+                                              <p:pRg st="11" end="11"/>
+                                            </p:txEl>
+                                          </p:spTgt>
+                                        </p:tgtEl>
+                                        <p:attrNameLst>
+                                          <p:attrName>style.visibility</p:attrName>
+                                        </p:attrNameLst>
+                                      </p:cBhvr>
+                                      <p:to>
+                                        <p:strVal val="visible"/>
+                                      </p:to>
+                                    </p:set>
+                                  </p:childTnLst>
+                                </p:cTn>
+                              </p:par>
+                              <p:par>
+                                <p:cTn id="19" presetID="1" presetClass="entr" presetSubtype="0" fill="hold" grpId="0" nodeType="withEffect">
+                                  <p:stCondLst>
+                                    <p:cond delay="0"/>
+                                  </p:stCondLst>
+                                  <p:childTnLst>
+                                    <p:set>
+                                      <p:cBhvr>
+                                        <p:cTn id="20" dur="1" fill="hold">
+                                          <p:stCondLst>
+                                            <p:cond delay="0"/>
+                                          </p:stCondLst>
+                                        </p:cTn>
+                                        <p:tgtEl>
+                                          <p:spTgt spid="7">
+                                            <p:txEl>
+                                              <p:pRg st="13" end="13"/>
+                                            </p:txEl>
+                                          </p:spTgt>
+                                        </p:tgtEl>
+                                        <p:attrNameLst>
+                                          <p:attrName>style.visibility</p:attrName>
+                                        </p:attrNameLst>
+                                      </p:cBhvr>
+                                      <p:to>
+                                        <p:strVal val="visible"/>
+                                      </p:to>
+                                    </p:set>
+                                  </p:childTnLst>
+                                </p:cTn>
+                              </p:par>
+                              <p:par>
+                                <p:cTn id="21" presetID="1" presetClass="entr" presetSubtype="0" fill="hold" grpId="0" nodeType="withEffect">
                                   <p:stCondLst>
                                     <p:cond delay="0"/>
                                   </p:stCondLst>
@@ -17565,56 +17891,7 @@
                                         <p:tgtEl>
                                           <p:spTgt spid="7">
                                             <p:txEl>
-                                              <p:pRg st="10" end="10"/>
-                                            </p:txEl>
-                                          </p:spTgt>
-                                        </p:tgtEl>
-                                        <p:attrNameLst>
-                                          <p:attrName>style.visibility</p:attrName>
-                                        </p:attrNameLst>
-                                      </p:cBhvr>
-                                      <p:to>
-                                        <p:strVal val="visible"/>
-                                      </p:to>
-                                    </p:set>
-                                  </p:childTnLst>
-                                </p:cTn>
-                              </p:par>
-                            </p:childTnLst>
-                          </p:cTn>
-                        </p:par>
-                      </p:childTnLst>
-                    </p:cTn>
-                  </p:par>
-                  <p:par>
-                    <p:cTn id="23" fill="hold">
-                      <p:stCondLst>
-                        <p:cond delay="indefinite"/>
-                      </p:stCondLst>
-                      <p:childTnLst>
-                        <p:par>
-                          <p:cTn id="24" fill="hold">
-                            <p:stCondLst>
-                              <p:cond delay="0"/>
-                            </p:stCondLst>
-                            <p:childTnLst>
-                              <p:par>
-                                <p:cTn id="25" presetID="1" presetClass="entr" presetSubtype="0" fill="hold" grpId="0" nodeType="clickEffect">
-                                  <p:stCondLst>
-                                    <p:cond delay="0"/>
-                                  </p:stCondLst>
-                                  <p:childTnLst>
-                                    <p:set>
-                                      <p:cBhvr>
-                                        <p:cTn id="26" dur="1" fill="hold">
-                                          <p:stCondLst>
-                                            <p:cond delay="0"/>
-                                          </p:stCondLst>
-                                        </p:cTn>
-                                        <p:tgtEl>
-                                          <p:spTgt spid="7">
-                                            <p:txEl>
-                                              <p:pRg st="12" end="12"/>
+                                              <p:pRg st="15" end="15"/>
                                             </p:txEl>
                                           </p:spTgt>
                                         </p:tgtEl>
@@ -17657,7 +17934,7 @@
       </p:par>
     </p:tnLst>
     <p:bldLst>
-      <p:bldP spid="7" grpId="0" build="p"/>
+      <p:bldP spid="7" grpId="0" uiExpand="1" build="p"/>
     </p:bldLst>
   </p:timing>
 </p:sld>
